--- a/PythonML_2023_ProximalAlg.pptx
+++ b/PythonML_2023_ProximalAlg.pptx
@@ -5,14 +5,16 @@
     <p:sldMasterId id="2147483681" r:id="rId1"/>
   </p:sldMasterIdLst>
   <p:notesMasterIdLst>
-    <p:notesMasterId r:id="rId7"/>
+    <p:notesMasterId r:id="rId9"/>
   </p:notesMasterIdLst>
   <p:sldIdLst>
     <p:sldId id="261" r:id="rId2"/>
     <p:sldId id="432" r:id="rId3"/>
-    <p:sldId id="442" r:id="rId4"/>
-    <p:sldId id="443" r:id="rId5"/>
-    <p:sldId id="444" r:id="rId6"/>
+    <p:sldId id="445" r:id="rId4"/>
+    <p:sldId id="442" r:id="rId5"/>
+    <p:sldId id="421" r:id="rId6"/>
+    <p:sldId id="443" r:id="rId7"/>
+    <p:sldId id="444" r:id="rId8"/>
   </p:sldIdLst>
   <p:sldSz cx="12192000" cy="6858000"/>
   <p:notesSz cx="6858000" cy="9144000"/>
@@ -3592,7 +3594,7 @@
         <p:spPr>
           <a:xfrm>
             <a:off x="362869" y="921271"/>
-            <a:ext cx="10874475" cy="3877985"/>
+            <a:ext cx="10874475" cy="4370427"/>
           </a:xfrm>
           <a:prstGeom prst="rect">
             <a:avLst/>
@@ -3604,30 +3606,37 @@
           </a:bodyPr>
           <a:lstStyle/>
           <a:p>
+            <a:endParaRPr lang="en-US" sz="3200" b="1" dirty="0"/>
+          </a:p>
+          <a:p>
+            <a:endParaRPr lang="en-US" sz="3200" b="1" dirty="0"/>
+          </a:p>
+          <a:p>
             <a:r>
               <a:rPr lang="en-US" sz="3200" b="1" dirty="0"/>
-              <a:t>Difficult to implement </a:t>
+              <a:t>Stochastic Gradient Descent</a:t>
             </a:r>
           </a:p>
           <a:p>
             <a:r>
               <a:rPr lang="en-US" sz="3200" b="1" dirty="0"/>
-              <a:t>Slow</a:t>
+              <a:t>Newton’s method</a:t>
             </a:r>
           </a:p>
           <a:p>
             <a:r>
               <a:rPr lang="en-US" sz="3200" b="1" dirty="0"/>
-              <a:t>Do not work with non-smooth functions</a:t>
-            </a:r>
-          </a:p>
-          <a:p>
-            <a:endParaRPr lang="en-US" sz="3200" b="1" dirty="0"/>
-          </a:p>
-          <a:p>
+              <a:t>Genetic Algorithm</a:t>
+            </a:r>
+          </a:p>
+          <a:p>
+            <a:r>
+              <a:rPr lang="en-US" sz="3200" b="1" dirty="0" err="1"/>
+              <a:t>Nelder</a:t>
+            </a:r>
             <a:r>
               <a:rPr lang="en-US" sz="3200" b="1" dirty="0"/>
-              <a:t>Proximal algorithms offer a trade-off!</a:t>
+              <a:t> and Mead</a:t>
             </a:r>
           </a:p>
           <a:p>
@@ -3723,7 +3732,7 @@
           <a:p>
             <a:r>
               <a:rPr lang="en-US" sz="3600" b="1" dirty="0"/>
-              <a:t>Problems in state-of-the-art optimization algorithms</a:t>
+              <a:t>   State-of-the-art optimization algorithms</a:t>
             </a:r>
           </a:p>
         </p:txBody>
@@ -3731,7 +3740,7 @@
     </p:spTree>
     <p:extLst>
       <p:ext uri="{BB962C8B-B14F-4D97-AF65-F5344CB8AC3E}">
-        <p14:creationId xmlns:p14="http://schemas.microsoft.com/office/powerpoint/2010/main" val="3823378728"/>
+        <p14:creationId xmlns:p14="http://schemas.microsoft.com/office/powerpoint/2010/main" val="2107137740"/>
       </p:ext>
     </p:extLst>
   </p:cSld>
@@ -3767,7 +3776,7 @@
         <p:spPr>
           <a:xfrm>
             <a:off x="362869" y="921271"/>
-            <a:ext cx="10874475" cy="5509200"/>
+            <a:ext cx="10874475" cy="4862870"/>
           </a:xfrm>
           <a:prstGeom prst="rect">
             <a:avLst/>
@@ -3779,191 +3788,40 @@
           </a:bodyPr>
           <a:lstStyle/>
           <a:p>
-            <a:r>
-              <a:rPr lang="en-US" sz="3200" b="1" dirty="0" err="1"/>
-              <a:t>PyProximal</a:t>
-            </a:r>
             <a:endParaRPr lang="en-US" sz="3200" b="1" dirty="0"/>
           </a:p>
           <a:p>
+            <a:endParaRPr lang="en-US" sz="3200" b="1" dirty="0"/>
+          </a:p>
+          <a:p>
             <a:r>
               <a:rPr lang="en-US" sz="3200" b="1" dirty="0"/>
-              <a:t>https://pyproximal.readthedocs.io/en/stable/</a:t>
-            </a:r>
-          </a:p>
-          <a:p>
-            <a:endParaRPr lang="en-US" b="1" dirty="0"/>
-          </a:p>
-          <a:p>
-            <a:r>
-              <a:rPr lang="en-US" b="0" i="0" dirty="0">
-                <a:solidFill>
-                  <a:srgbClr val="323232"/>
-                </a:solidFill>
-                <a:effectLst/>
-                <a:latin typeface="Open Sans" panose="020B0606030504020204" pitchFamily="34" charset="0"/>
-              </a:rPr>
-              <a:t>This Python library provides all the needed building blocks for solving non-smooth convex optimization problems using the so-called </a:t>
-            </a:r>
-            <a:r>
-              <a:rPr lang="en-US" b="1" i="0" dirty="0">
-                <a:solidFill>
-                  <a:srgbClr val="323232"/>
-                </a:solidFill>
-                <a:effectLst/>
-                <a:latin typeface="Open Sans" panose="020B0606030504020204" pitchFamily="34" charset="0"/>
-              </a:rPr>
-              <a:t>proximal algorithms</a:t>
-            </a:r>
-            <a:r>
-              <a:rPr lang="en-US" b="0" i="0" dirty="0">
-                <a:solidFill>
-                  <a:srgbClr val="323232"/>
-                </a:solidFill>
-                <a:effectLst/>
-                <a:latin typeface="Open Sans" panose="020B0606030504020204" pitchFamily="34" charset="0"/>
-              </a:rPr>
-              <a:t>.</a:t>
-            </a:r>
-            <a:endParaRPr lang="en-US" b="1" i="0" dirty="0">
-              <a:solidFill>
-                <a:srgbClr val="323232"/>
-              </a:solidFill>
-              <a:effectLst/>
-              <a:latin typeface="Open Sans" panose="020B0606030504020204" pitchFamily="34" charset="0"/>
-            </a:endParaRPr>
-          </a:p>
-          <a:p>
-            <a:endParaRPr lang="en-US" b="1" dirty="0">
-              <a:solidFill>
-                <a:srgbClr val="323232"/>
-              </a:solidFill>
-              <a:latin typeface="Open Sans" panose="020B0606030504020204" pitchFamily="34" charset="0"/>
-            </a:endParaRPr>
-          </a:p>
-          <a:p>
-            <a:r>
-              <a:rPr lang="en-US" b="1" dirty="0" err="1">
-                <a:solidFill>
-                  <a:srgbClr val="323232"/>
-                </a:solidFill>
-                <a:latin typeface="Open Sans" panose="020B0606030504020204" pitchFamily="34" charset="0"/>
-              </a:rPr>
-              <a:t>Tensorflow</a:t>
-            </a:r>
-            <a:endParaRPr lang="en-US" b="1" dirty="0">
-              <a:solidFill>
-                <a:srgbClr val="323232"/>
-              </a:solidFill>
-              <a:latin typeface="Open Sans" panose="020B0606030504020204" pitchFamily="34" charset="0"/>
-            </a:endParaRPr>
-          </a:p>
-          <a:p>
-            <a:r>
-              <a:rPr lang="en-US" b="1" dirty="0">
-                <a:solidFill>
-                  <a:srgbClr val="323232"/>
-                </a:solidFill>
-                <a:latin typeface="Open Sans" panose="020B0606030504020204" pitchFamily="34" charset="0"/>
-              </a:rPr>
-              <a:t>Proximal </a:t>
-            </a:r>
-            <a:r>
-              <a:rPr lang="en-US" b="1" dirty="0" err="1">
-                <a:solidFill>
-                  <a:srgbClr val="323232"/>
-                </a:solidFill>
-                <a:latin typeface="Open Sans" panose="020B0606030504020204" pitchFamily="34" charset="0"/>
-              </a:rPr>
-              <a:t>AdaGrad</a:t>
-            </a:r>
-            <a:r>
-              <a:rPr lang="en-US" b="1" dirty="0">
-                <a:solidFill>
-                  <a:srgbClr val="323232"/>
-                </a:solidFill>
-                <a:latin typeface="Open Sans" panose="020B0606030504020204" pitchFamily="34" charset="0"/>
-              </a:rPr>
-              <a:t> algorithm</a:t>
-            </a:r>
-          </a:p>
-          <a:p>
-            <a:r>
-              <a:rPr lang="en-US" b="1" dirty="0">
-                <a:hlinkClick r:id="rId2"/>
-              </a:rPr>
-              <a:t>https://www.tensorflow.org/addons/api_docs/python/tfa/optimizers/ProximalAdagrad</a:t>
-            </a:r>
-            <a:endParaRPr lang="en-US" b="1" dirty="0">
-              <a:solidFill>
-                <a:srgbClr val="323232"/>
-              </a:solidFill>
-              <a:latin typeface="Open Sans" panose="020B0606030504020204" pitchFamily="34" charset="0"/>
-            </a:endParaRPr>
-          </a:p>
-          <a:p>
-            <a:endParaRPr lang="en-US" b="1" dirty="0">
-              <a:solidFill>
-                <a:srgbClr val="323232"/>
-              </a:solidFill>
-              <a:latin typeface="Open Sans" panose="020B0606030504020204" pitchFamily="34" charset="0"/>
-            </a:endParaRPr>
-          </a:p>
-          <a:p>
-            <a:r>
-              <a:rPr lang="en-US" b="1" dirty="0" err="1">
-                <a:solidFill>
-                  <a:srgbClr val="323232"/>
-                </a:solidFill>
-                <a:latin typeface="Open Sans" panose="020B0606030504020204" pitchFamily="34" charset="0"/>
-              </a:rPr>
-              <a:t>MatLab</a:t>
-            </a:r>
-            <a:endParaRPr lang="en-US" b="1" dirty="0">
-              <a:solidFill>
-                <a:srgbClr val="323232"/>
-              </a:solidFill>
-              <a:latin typeface="Open Sans" panose="020B0606030504020204" pitchFamily="34" charset="0"/>
-            </a:endParaRPr>
-          </a:p>
-          <a:p>
-            <a:r>
-              <a:rPr lang="en-US" b="1" dirty="0" err="1">
-                <a:solidFill>
-                  <a:srgbClr val="323232"/>
-                </a:solidFill>
-                <a:latin typeface="Open Sans" panose="020B0606030504020204" pitchFamily="34" charset="0"/>
-              </a:rPr>
-              <a:t>ProximalPolicyOptimization</a:t>
-            </a:r>
-            <a:endParaRPr lang="en-US" b="1" dirty="0">
-              <a:solidFill>
-                <a:srgbClr val="323232"/>
-              </a:solidFill>
-              <a:latin typeface="Open Sans" panose="020B0606030504020204" pitchFamily="34" charset="0"/>
-            </a:endParaRPr>
-          </a:p>
-          <a:p>
-            <a:r>
-              <a:rPr lang="en-US" b="1" dirty="0">
-                <a:hlinkClick r:id="rId3"/>
-              </a:rPr>
-              <a:t>https://www.mathworks.com/help/reinforcement-learning/ug/ppo-agents.html</a:t>
-            </a:r>
-            <a:endParaRPr lang="en-US" b="1" dirty="0"/>
-          </a:p>
-          <a:p>
-            <a:endParaRPr lang="en-US" b="1" dirty="0"/>
-          </a:p>
-          <a:p>
-            <a:r>
-              <a:rPr lang="en-US" b="1" dirty="0" err="1"/>
-              <a:t>ChatGPT</a:t>
-            </a:r>
-            <a:r>
-              <a:rPr lang="en-US" b="1" dirty="0"/>
-              <a:t> – uses proximal Policy Optimization algorithm for training</a:t>
-            </a:r>
+              <a:t>Difficult to implement </a:t>
+            </a:r>
+          </a:p>
+          <a:p>
+            <a:r>
+              <a:rPr lang="en-US" sz="3200" b="1" dirty="0"/>
+              <a:t>Slow</a:t>
+            </a:r>
+          </a:p>
+          <a:p>
+            <a:r>
+              <a:rPr lang="en-US" sz="3200" b="1" dirty="0"/>
+              <a:t>Do not work with non-smooth functions</a:t>
+            </a:r>
+          </a:p>
+          <a:p>
+            <a:endParaRPr lang="en-US" sz="3200" b="1" dirty="0"/>
+          </a:p>
+          <a:p>
+            <a:r>
+              <a:rPr lang="en-US" sz="3200" b="1" dirty="0"/>
+              <a:t>Proximal algorithms offer a trade-off!</a:t>
+            </a:r>
+          </a:p>
+          <a:p>
+            <a:endParaRPr lang="en-US" sz="3200" b="1" dirty="0"/>
           </a:p>
           <a:p>
             <a:endParaRPr lang="en-US" b="1" dirty="0"/>
@@ -4055,7 +3913,7 @@
           <a:p>
             <a:r>
               <a:rPr lang="en-US" sz="3600" b="1" dirty="0"/>
-              <a:t>                                      Software</a:t>
+              <a:t>Problems with state-of-the-art optimization algorithms</a:t>
             </a:r>
           </a:p>
         </p:txBody>
@@ -4063,7 +3921,7 @@
     </p:spTree>
     <p:extLst>
       <p:ext uri="{BB962C8B-B14F-4D97-AF65-F5344CB8AC3E}">
-        <p14:creationId xmlns:p14="http://schemas.microsoft.com/office/powerpoint/2010/main" val="2698654920"/>
+        <p14:creationId xmlns:p14="http://schemas.microsoft.com/office/powerpoint/2010/main" val="3823378728"/>
       </p:ext>
     </p:extLst>
   </p:cSld>
@@ -4092,19 +3950,981 @@
       </p:grpSpPr>
       <p:sp>
         <p:nvSpPr>
-          <p:cNvPr id="4" name="Rectangle 3"/>
-          <p:cNvSpPr/>
+          <p:cNvPr id="3" name="TextBox 2">
+            <a:extLst>
+              <a:ext uri="{FF2B5EF4-FFF2-40B4-BE49-F238E27FC236}">
+                <a16:creationId xmlns:a16="http://schemas.microsoft.com/office/drawing/2014/main" id="{D22182D6-21D5-EA78-420B-EC66565F7ABC}"/>
+              </a:ext>
+            </a:extLst>
+          </p:cNvPr>
+          <p:cNvSpPr txBox="1"/>
           <p:nvPr/>
         </p:nvSpPr>
         <p:spPr>
           <a:xfrm>
-            <a:off x="362869" y="921271"/>
-            <a:ext cx="10874475" cy="1908215"/>
+            <a:off x="959204" y="562992"/>
+            <a:ext cx="9296578" cy="4955203"/>
+          </a:xfrm>
+          <a:prstGeom prst="rect">
+            <a:avLst/>
+          </a:prstGeom>
+          <a:noFill/>
+        </p:spPr>
+        <p:txBody>
+          <a:bodyPr wrap="square">
+            <a:spAutoFit/>
+          </a:bodyPr>
+          <a:lstStyle/>
+          <a:p>
+            <a:r>
+              <a:rPr lang="ru-RU" sz="800" b="1" dirty="0">
+                <a:latin typeface="Times New Roman" panose="02020603050405020304" pitchFamily="18" charset="0"/>
+                <a:ea typeface="Times New Roman" panose="02020603050405020304" pitchFamily="18" charset="0"/>
+                <a:cs typeface="Times New Roman" panose="02020603050405020304" pitchFamily="18" charset="0"/>
+              </a:rPr>
+              <a:t> </a:t>
+            </a:r>
+          </a:p>
+          <a:p>
+            <a:r>
+              <a:rPr lang="en-US" sz="2800" b="1" dirty="0">
+                <a:latin typeface="Arial" panose="020B0604020202020204" pitchFamily="34" charset="0"/>
+                <a:ea typeface="Times New Roman" panose="02020603050405020304" pitchFamily="18" charset="0"/>
+                <a:cs typeface="Arial" panose="020B0604020202020204" pitchFamily="34" charset="0"/>
+              </a:rPr>
+              <a:t>                           Proximal Operator</a:t>
+            </a:r>
+          </a:p>
+          <a:p>
+            <a:endParaRPr lang="en-US" sz="2800" b="1" dirty="0">
+              <a:latin typeface="Arial" panose="020B0604020202020204" pitchFamily="34" charset="0"/>
+              <a:ea typeface="Times New Roman" panose="02020603050405020304" pitchFamily="18" charset="0"/>
+              <a:cs typeface="Arial" panose="020B0604020202020204" pitchFamily="34" charset="0"/>
+            </a:endParaRPr>
+          </a:p>
+          <a:p>
+            <a:endParaRPr lang="en-US" sz="2800" b="1" dirty="0">
+              <a:latin typeface="Arial" panose="020B0604020202020204" pitchFamily="34" charset="0"/>
+              <a:ea typeface="Times New Roman" panose="02020603050405020304" pitchFamily="18" charset="0"/>
+              <a:cs typeface="Arial" panose="020B0604020202020204" pitchFamily="34" charset="0"/>
+            </a:endParaRPr>
+          </a:p>
+          <a:p>
+            <a:endParaRPr lang="en-US" sz="2800" b="1" dirty="0">
+              <a:latin typeface="Arial" panose="020B0604020202020204" pitchFamily="34" charset="0"/>
+              <a:ea typeface="Times New Roman" panose="02020603050405020304" pitchFamily="18" charset="0"/>
+              <a:cs typeface="Arial" panose="020B0604020202020204" pitchFamily="34" charset="0"/>
+            </a:endParaRPr>
+          </a:p>
+          <a:p>
+            <a:endParaRPr lang="en-US" sz="2800" b="1" dirty="0">
+              <a:latin typeface="Arial" panose="020B0604020202020204" pitchFamily="34" charset="0"/>
+              <a:ea typeface="Times New Roman" panose="02020603050405020304" pitchFamily="18" charset="0"/>
+              <a:cs typeface="Arial" panose="020B0604020202020204" pitchFamily="34" charset="0"/>
+            </a:endParaRPr>
+          </a:p>
+          <a:p>
+            <a:endParaRPr lang="en-US" sz="2800" b="1" dirty="0">
+              <a:latin typeface="Arial" panose="020B0604020202020204" pitchFamily="34" charset="0"/>
+              <a:ea typeface="Times New Roman" panose="02020603050405020304" pitchFamily="18" charset="0"/>
+              <a:cs typeface="Arial" panose="020B0604020202020204" pitchFamily="34" charset="0"/>
+            </a:endParaRPr>
+          </a:p>
+          <a:p>
+            <a:r>
+              <a:rPr lang="en-US" sz="2800" b="1" dirty="0">
+                <a:latin typeface="Arial" panose="020B0604020202020204" pitchFamily="34" charset="0"/>
+                <a:ea typeface="Times New Roman" panose="02020603050405020304" pitchFamily="18" charset="0"/>
+                <a:cs typeface="Arial" panose="020B0604020202020204" pitchFamily="34" charset="0"/>
+              </a:rPr>
+              <a:t>               </a:t>
+            </a:r>
+          </a:p>
+          <a:p>
+            <a:endParaRPr lang="en-US" sz="2800" b="1" dirty="0">
+              <a:latin typeface="Arial" panose="020B0604020202020204" pitchFamily="34" charset="0"/>
+              <a:ea typeface="Times New Roman" panose="02020603050405020304" pitchFamily="18" charset="0"/>
+              <a:cs typeface="Arial" panose="020B0604020202020204" pitchFamily="34" charset="0"/>
+            </a:endParaRPr>
+          </a:p>
+          <a:p>
+            <a:endParaRPr lang="en-US" sz="2800" b="1" dirty="0">
+              <a:latin typeface="Arial" panose="020B0604020202020204" pitchFamily="34" charset="0"/>
+              <a:ea typeface="Times New Roman" panose="02020603050405020304" pitchFamily="18" charset="0"/>
+              <a:cs typeface="Arial" panose="020B0604020202020204" pitchFamily="34" charset="0"/>
+            </a:endParaRPr>
+          </a:p>
+          <a:p>
+            <a:endParaRPr lang="en-US" sz="2800" b="1" dirty="0">
+              <a:latin typeface="Arial" panose="020B0604020202020204" pitchFamily="34" charset="0"/>
+              <a:ea typeface="Times New Roman" panose="02020603050405020304" pitchFamily="18" charset="0"/>
+              <a:cs typeface="Arial" panose="020B0604020202020204" pitchFamily="34" charset="0"/>
+            </a:endParaRPr>
+          </a:p>
+          <a:p>
+            <a:r>
+              <a:rPr lang="ru-RU" sz="2800" b="1" dirty="0">
+                <a:latin typeface="Arial" panose="020B0604020202020204" pitchFamily="34" charset="0"/>
+                <a:ea typeface="Times New Roman" panose="02020603050405020304" pitchFamily="18" charset="0"/>
+                <a:cs typeface="Arial" panose="020B0604020202020204" pitchFamily="34" charset="0"/>
+              </a:rPr>
+              <a:t>    </a:t>
+            </a:r>
+            <a:endParaRPr lang="en-US" sz="2800" dirty="0">
+              <a:latin typeface="Arial" panose="020B0604020202020204" pitchFamily="34" charset="0"/>
+              <a:cs typeface="Arial" panose="020B0604020202020204" pitchFamily="34" charset="0"/>
+            </a:endParaRPr>
+          </a:p>
+        </p:txBody>
+      </p:sp>
+      <p:grpSp>
+        <p:nvGrpSpPr>
+          <p:cNvPr id="2" name="Group 1">
+            <a:extLst>
+              <a:ext uri="{FF2B5EF4-FFF2-40B4-BE49-F238E27FC236}">
+                <a16:creationId xmlns:a16="http://schemas.microsoft.com/office/drawing/2014/main" id="{4CF61EE4-E7A2-6B86-1316-3B9B69D88FA6}"/>
+              </a:ext>
+            </a:extLst>
+          </p:cNvPr>
+          <p:cNvGrpSpPr/>
+          <p:nvPr/>
+        </p:nvGrpSpPr>
+        <p:grpSpPr>
+          <a:xfrm>
+            <a:off x="0" y="0"/>
+            <a:ext cx="12191999" cy="6858000"/>
+            <a:chOff x="0" y="1"/>
+            <a:chExt cx="12207310" cy="6857999"/>
+          </a:xfrm>
+        </p:grpSpPr>
+        <p:sp>
+          <p:nvSpPr>
+            <p:cNvPr id="6" name="Arrow: Pentagon 5">
+              <a:extLst>
+                <a:ext uri="{FF2B5EF4-FFF2-40B4-BE49-F238E27FC236}">
+                  <a16:creationId xmlns:a16="http://schemas.microsoft.com/office/drawing/2014/main" id="{AFA82373-78C4-4C28-D50E-AA4248D2A0B5}"/>
+                </a:ext>
+              </a:extLst>
+            </p:cNvPr>
+            <p:cNvSpPr/>
+            <p:nvPr/>
+          </p:nvSpPr>
+          <p:spPr>
+            <a:xfrm rot="5400000">
+              <a:off x="-3328859" y="3328861"/>
+              <a:ext cx="6857998" cy="200280"/>
+            </a:xfrm>
+            <a:prstGeom prst="homePlate">
+              <a:avLst>
+                <a:gd name="adj" fmla="val 1168"/>
+              </a:avLst>
+            </a:prstGeom>
+            <a:gradFill flip="none" rotWithShape="1">
+              <a:gsLst>
+                <a:gs pos="0">
+                  <a:schemeClr val="accent3">
+                    <a:lumMod val="40000"/>
+                    <a:lumOff val="60000"/>
+                  </a:schemeClr>
+                </a:gs>
+                <a:gs pos="46000">
+                  <a:schemeClr val="accent3">
+                    <a:lumMod val="95000"/>
+                    <a:lumOff val="5000"/>
+                  </a:schemeClr>
+                </a:gs>
+                <a:gs pos="100000">
+                  <a:schemeClr val="accent3">
+                    <a:lumMod val="60000"/>
+                  </a:schemeClr>
+                </a:gs>
+              </a:gsLst>
+              <a:path path="circle">
+                <a:fillToRect l="50000" t="130000" r="50000" b="-30000"/>
+              </a:path>
+              <a:tileRect/>
+            </a:gradFill>
+            <a:ln>
+              <a:noFill/>
+            </a:ln>
+          </p:spPr>
+          <p:style>
+            <a:lnRef idx="2">
+              <a:schemeClr val="accent1">
+                <a:shade val="50000"/>
+              </a:schemeClr>
+            </a:lnRef>
+            <a:fillRef idx="1">
+              <a:schemeClr val="accent1"/>
+            </a:fillRef>
+            <a:effectRef idx="0">
+              <a:schemeClr val="accent1"/>
+            </a:effectRef>
+            <a:fontRef idx="minor">
+              <a:schemeClr val="lt1"/>
+            </a:fontRef>
+          </p:style>
+          <p:txBody>
+            <a:bodyPr rtlCol="0" anchor="ctr"/>
+            <a:lstStyle/>
+            <a:p>
+              <a:pPr algn="ctr"/>
+              <a:endParaRPr lang="en-US" sz="375" dirty="0"/>
+            </a:p>
+          </p:txBody>
+        </p:sp>
+        <p:sp>
+          <p:nvSpPr>
+            <p:cNvPr id="7" name="Arrow: Pentagon 6">
+              <a:extLst>
+                <a:ext uri="{FF2B5EF4-FFF2-40B4-BE49-F238E27FC236}">
+                  <a16:creationId xmlns:a16="http://schemas.microsoft.com/office/drawing/2014/main" id="{0A974EEF-EEE5-EE45-DB1E-8B2D7A6FA275}"/>
+                </a:ext>
+              </a:extLst>
+            </p:cNvPr>
+            <p:cNvSpPr/>
+            <p:nvPr/>
+          </p:nvSpPr>
+          <p:spPr>
+            <a:xfrm rot="5400000">
+              <a:off x="8678171" y="3328861"/>
+              <a:ext cx="6857998" cy="200280"/>
+            </a:xfrm>
+            <a:prstGeom prst="homePlate">
+              <a:avLst>
+                <a:gd name="adj" fmla="val 1168"/>
+              </a:avLst>
+            </a:prstGeom>
+            <a:gradFill flip="none" rotWithShape="1">
+              <a:gsLst>
+                <a:gs pos="0">
+                  <a:schemeClr val="accent3">
+                    <a:lumMod val="40000"/>
+                    <a:lumOff val="60000"/>
+                  </a:schemeClr>
+                </a:gs>
+                <a:gs pos="46000">
+                  <a:schemeClr val="accent3">
+                    <a:lumMod val="95000"/>
+                    <a:lumOff val="5000"/>
+                  </a:schemeClr>
+                </a:gs>
+                <a:gs pos="100000">
+                  <a:schemeClr val="accent3">
+                    <a:lumMod val="60000"/>
+                  </a:schemeClr>
+                </a:gs>
+              </a:gsLst>
+              <a:path path="circle">
+                <a:fillToRect l="50000" t="130000" r="50000" b="-30000"/>
+              </a:path>
+              <a:tileRect/>
+            </a:gradFill>
+            <a:ln>
+              <a:noFill/>
+            </a:ln>
+          </p:spPr>
+          <p:style>
+            <a:lnRef idx="2">
+              <a:schemeClr val="accent1">
+                <a:shade val="50000"/>
+              </a:schemeClr>
+            </a:lnRef>
+            <a:fillRef idx="1">
+              <a:schemeClr val="accent1"/>
+            </a:fillRef>
+            <a:effectRef idx="0">
+              <a:schemeClr val="accent1"/>
+            </a:effectRef>
+            <a:fontRef idx="minor">
+              <a:schemeClr val="lt1"/>
+            </a:fontRef>
+          </p:style>
+          <p:txBody>
+            <a:bodyPr rtlCol="0" anchor="ctr"/>
+            <a:lstStyle/>
+            <a:p>
+              <a:pPr algn="ctr"/>
+              <a:endParaRPr lang="en-US" sz="375" dirty="0"/>
+            </a:p>
+          </p:txBody>
+        </p:sp>
+        <p:sp>
+          <p:nvSpPr>
+            <p:cNvPr id="8" name="Arrow: Pentagon 7">
+              <a:extLst>
+                <a:ext uri="{FF2B5EF4-FFF2-40B4-BE49-F238E27FC236}">
+                  <a16:creationId xmlns:a16="http://schemas.microsoft.com/office/drawing/2014/main" id="{9BFB7247-B664-1E80-9A13-D605901FDE02}"/>
+                </a:ext>
+              </a:extLst>
+            </p:cNvPr>
+            <p:cNvSpPr/>
+            <p:nvPr/>
+          </p:nvSpPr>
+          <p:spPr>
+            <a:xfrm>
+              <a:off x="200279" y="1"/>
+              <a:ext cx="11907257" cy="231354"/>
+            </a:xfrm>
+            <a:prstGeom prst="homePlate">
+              <a:avLst>
+                <a:gd name="adj" fmla="val 1168"/>
+              </a:avLst>
+            </a:prstGeom>
+            <a:gradFill flip="none" rotWithShape="1">
+              <a:gsLst>
+                <a:gs pos="0">
+                  <a:schemeClr val="accent3">
+                    <a:lumMod val="40000"/>
+                    <a:lumOff val="60000"/>
+                  </a:schemeClr>
+                </a:gs>
+                <a:gs pos="46000">
+                  <a:schemeClr val="accent3">
+                    <a:lumMod val="95000"/>
+                    <a:lumOff val="5000"/>
+                  </a:schemeClr>
+                </a:gs>
+                <a:gs pos="100000">
+                  <a:schemeClr val="accent3">
+                    <a:lumMod val="60000"/>
+                  </a:schemeClr>
+                </a:gs>
+              </a:gsLst>
+              <a:path path="circle">
+                <a:fillToRect l="50000" t="130000" r="50000" b="-30000"/>
+              </a:path>
+              <a:tileRect/>
+            </a:gradFill>
+            <a:ln>
+              <a:noFill/>
+            </a:ln>
+          </p:spPr>
+          <p:style>
+            <a:lnRef idx="2">
+              <a:schemeClr val="accent1">
+                <a:shade val="50000"/>
+              </a:schemeClr>
+            </a:lnRef>
+            <a:fillRef idx="1">
+              <a:schemeClr val="accent1"/>
+            </a:fillRef>
+            <a:effectRef idx="0">
+              <a:schemeClr val="accent1"/>
+            </a:effectRef>
+            <a:fontRef idx="minor">
+              <a:schemeClr val="lt1"/>
+            </a:fontRef>
+          </p:style>
+          <p:txBody>
+            <a:bodyPr rtlCol="0" anchor="ctr"/>
+            <a:lstStyle/>
+            <a:p>
+              <a:pPr algn="ctr"/>
+              <a:endParaRPr lang="en-US" sz="375" dirty="0"/>
+            </a:p>
+          </p:txBody>
+        </p:sp>
+        <p:sp>
+          <p:nvSpPr>
+            <p:cNvPr id="9" name="Arrow: Pentagon 8">
+              <a:extLst>
+                <a:ext uri="{FF2B5EF4-FFF2-40B4-BE49-F238E27FC236}">
+                  <a16:creationId xmlns:a16="http://schemas.microsoft.com/office/drawing/2014/main" id="{1C19C0B5-96E1-2C95-8F7E-1CC95C022203}"/>
+                </a:ext>
+              </a:extLst>
+            </p:cNvPr>
+            <p:cNvSpPr/>
+            <p:nvPr/>
+          </p:nvSpPr>
+          <p:spPr>
+            <a:xfrm>
+              <a:off x="200279" y="6626644"/>
+              <a:ext cx="11907257" cy="231354"/>
+            </a:xfrm>
+            <a:prstGeom prst="homePlate">
+              <a:avLst>
+                <a:gd name="adj" fmla="val 1168"/>
+              </a:avLst>
+            </a:prstGeom>
+            <a:gradFill flip="none" rotWithShape="1">
+              <a:gsLst>
+                <a:gs pos="0">
+                  <a:schemeClr val="accent3">
+                    <a:lumMod val="40000"/>
+                    <a:lumOff val="60000"/>
+                  </a:schemeClr>
+                </a:gs>
+                <a:gs pos="46000">
+                  <a:schemeClr val="accent3">
+                    <a:lumMod val="95000"/>
+                    <a:lumOff val="5000"/>
+                  </a:schemeClr>
+                </a:gs>
+                <a:gs pos="100000">
+                  <a:schemeClr val="accent3">
+                    <a:lumMod val="60000"/>
+                  </a:schemeClr>
+                </a:gs>
+              </a:gsLst>
+              <a:path path="circle">
+                <a:fillToRect l="50000" t="130000" r="50000" b="-30000"/>
+              </a:path>
+              <a:tileRect/>
+            </a:gradFill>
+            <a:ln>
+              <a:noFill/>
+            </a:ln>
+          </p:spPr>
+          <p:style>
+            <a:lnRef idx="2">
+              <a:schemeClr val="accent1">
+                <a:shade val="50000"/>
+              </a:schemeClr>
+            </a:lnRef>
+            <a:fillRef idx="1">
+              <a:schemeClr val="accent1"/>
+            </a:fillRef>
+            <a:effectRef idx="0">
+              <a:schemeClr val="accent1"/>
+            </a:effectRef>
+            <a:fontRef idx="minor">
+              <a:schemeClr val="lt1"/>
+            </a:fontRef>
+          </p:style>
+          <p:txBody>
+            <a:bodyPr rtlCol="0" anchor="ctr"/>
+            <a:lstStyle/>
+            <a:p>
+              <a:pPr algn="ctr"/>
+              <a:endParaRPr lang="en-US" sz="375" dirty="0"/>
+            </a:p>
+          </p:txBody>
+        </p:sp>
+      </p:grpSp>
+      <p:pic>
+        <p:nvPicPr>
+          <p:cNvPr id="10" name="Picture 9">
+            <a:extLst>
+              <a:ext uri="{FF2B5EF4-FFF2-40B4-BE49-F238E27FC236}">
+                <a16:creationId xmlns:a16="http://schemas.microsoft.com/office/drawing/2014/main" id="{18E9113F-7D13-4F29-2BBC-3397EF8779D6}"/>
+              </a:ext>
+            </a:extLst>
+          </p:cNvPr>
+          <p:cNvPicPr>
+            <a:picLocks noChangeAspect="1"/>
+          </p:cNvPicPr>
+          <p:nvPr/>
+        </p:nvPicPr>
+        <p:blipFill>
+          <a:blip r:embed="rId2"/>
+          <a:stretch>
+            <a:fillRect/>
+          </a:stretch>
+        </p:blipFill>
+        <p:spPr>
+          <a:xfrm>
+            <a:off x="2333381" y="1349290"/>
+            <a:ext cx="7170438" cy="1567407"/>
           </a:xfrm>
           <a:prstGeom prst="rect">
             <a:avLst/>
           </a:prstGeom>
         </p:spPr>
+      </p:pic>
+      <p:grpSp>
+        <p:nvGrpSpPr>
+          <p:cNvPr id="11" name="Group 10">
+            <a:extLst>
+              <a:ext uri="{FF2B5EF4-FFF2-40B4-BE49-F238E27FC236}">
+                <a16:creationId xmlns:a16="http://schemas.microsoft.com/office/drawing/2014/main" id="{41C2C9C2-05CB-71A8-78D0-0D073C0E83C8}"/>
+              </a:ext>
+            </a:extLst>
+          </p:cNvPr>
+          <p:cNvGrpSpPr/>
+          <p:nvPr/>
+        </p:nvGrpSpPr>
+        <p:grpSpPr>
+          <a:xfrm>
+            <a:off x="187265" y="3429000"/>
+            <a:ext cx="2049156" cy="3235731"/>
+            <a:chOff x="3185769" y="1488127"/>
+            <a:chExt cx="2572584" cy="4237480"/>
+          </a:xfrm>
+        </p:grpSpPr>
+        <p:pic>
+          <p:nvPicPr>
+            <p:cNvPr id="12" name="Picture 2">
+              <a:extLst>
+                <a:ext uri="{FF2B5EF4-FFF2-40B4-BE49-F238E27FC236}">
+                  <a16:creationId xmlns:a16="http://schemas.microsoft.com/office/drawing/2014/main" id="{52ADFD89-D3CC-EEFC-5273-19ECCA063840}"/>
+                </a:ext>
+              </a:extLst>
+            </p:cNvPr>
+            <p:cNvPicPr>
+              <a:picLocks noChangeAspect="1" noChangeArrowheads="1"/>
+            </p:cNvPicPr>
+            <p:nvPr/>
+          </p:nvPicPr>
+          <p:blipFill rotWithShape="1">
+            <a:blip r:embed="rId3">
+              <a:extLst>
+                <a:ext uri="{28A0092B-C50C-407E-A947-70E740481C1C}">
+                  <a14:useLocalDpi xmlns:a14="http://schemas.microsoft.com/office/drawing/2010/main" val="0"/>
+                </a:ext>
+              </a:extLst>
+            </a:blip>
+            <a:srcRect l="58822" t="7817" r="-1201" b="44889"/>
+            <a:stretch/>
+          </p:blipFill>
+          <p:spPr bwMode="auto">
+            <a:xfrm>
+              <a:off x="3185769" y="1488127"/>
+              <a:ext cx="2572584" cy="4237480"/>
+            </a:xfrm>
+            <a:prstGeom prst="rect">
+              <a:avLst/>
+            </a:prstGeom>
+            <a:noFill/>
+            <a:extLst>
+              <a:ext uri="{909E8E84-426E-40DD-AFC4-6F175D3DCCD1}">
+                <a14:hiddenFill xmlns:a14="http://schemas.microsoft.com/office/drawing/2010/main">
+                  <a:solidFill>
+                    <a:srgbClr val="FFFFFF"/>
+                  </a:solidFill>
+                </a14:hiddenFill>
+              </a:ext>
+            </a:extLst>
+          </p:spPr>
+        </p:pic>
+        <p:cxnSp>
+          <p:nvCxnSpPr>
+            <p:cNvPr id="13" name="Straight Arrow Connector 12">
+              <a:extLst>
+                <a:ext uri="{FF2B5EF4-FFF2-40B4-BE49-F238E27FC236}">
+                  <a16:creationId xmlns:a16="http://schemas.microsoft.com/office/drawing/2014/main" id="{5BF02161-9E12-569B-E317-C91C3170F1C3}"/>
+                </a:ext>
+              </a:extLst>
+            </p:cNvPr>
+            <p:cNvCxnSpPr>
+              <a:cxnSpLocks/>
+            </p:cNvCxnSpPr>
+            <p:nvPr/>
+          </p:nvCxnSpPr>
+          <p:spPr>
+            <a:xfrm>
+              <a:off x="4859170" y="2754879"/>
+              <a:ext cx="41162" cy="384931"/>
+            </a:xfrm>
+            <a:prstGeom prst="straightConnector1">
+              <a:avLst/>
+            </a:prstGeom>
+            <a:ln w="38100">
+              <a:solidFill>
+                <a:srgbClr val="00B0F0"/>
+              </a:solidFill>
+              <a:tailEnd type="triangle"/>
+            </a:ln>
+          </p:spPr>
+          <p:style>
+            <a:lnRef idx="1">
+              <a:schemeClr val="accent1"/>
+            </a:lnRef>
+            <a:fillRef idx="0">
+              <a:schemeClr val="accent1"/>
+            </a:fillRef>
+            <a:effectRef idx="0">
+              <a:schemeClr val="accent1"/>
+            </a:effectRef>
+            <a:fontRef idx="minor">
+              <a:schemeClr val="tx1"/>
+            </a:fontRef>
+          </p:style>
+        </p:cxnSp>
+        <p:cxnSp>
+          <p:nvCxnSpPr>
+            <p:cNvPr id="14" name="Straight Arrow Connector 13">
+              <a:extLst>
+                <a:ext uri="{FF2B5EF4-FFF2-40B4-BE49-F238E27FC236}">
+                  <a16:creationId xmlns:a16="http://schemas.microsoft.com/office/drawing/2014/main" id="{6620585F-F081-27F8-C033-723216E37092}"/>
+                </a:ext>
+              </a:extLst>
+            </p:cNvPr>
+            <p:cNvCxnSpPr>
+              <a:cxnSpLocks/>
+            </p:cNvCxnSpPr>
+            <p:nvPr/>
+          </p:nvCxnSpPr>
+          <p:spPr>
+            <a:xfrm flipH="1">
+              <a:off x="4544508" y="3139810"/>
+              <a:ext cx="314662" cy="98690"/>
+            </a:xfrm>
+            <a:prstGeom prst="straightConnector1">
+              <a:avLst/>
+            </a:prstGeom>
+            <a:ln w="38100">
+              <a:solidFill>
+                <a:srgbClr val="00B0F0"/>
+              </a:solidFill>
+              <a:tailEnd type="triangle"/>
+            </a:ln>
+          </p:spPr>
+          <p:style>
+            <a:lnRef idx="1">
+              <a:schemeClr val="accent1"/>
+            </a:lnRef>
+            <a:fillRef idx="0">
+              <a:schemeClr val="accent1"/>
+            </a:fillRef>
+            <a:effectRef idx="0">
+              <a:schemeClr val="accent1"/>
+            </a:effectRef>
+            <a:fontRef idx="minor">
+              <a:schemeClr val="tx1"/>
+            </a:fontRef>
+          </p:style>
+        </p:cxnSp>
+        <p:cxnSp>
+          <p:nvCxnSpPr>
+            <p:cNvPr id="15" name="Straight Arrow Connector 14">
+              <a:extLst>
+                <a:ext uri="{FF2B5EF4-FFF2-40B4-BE49-F238E27FC236}">
+                  <a16:creationId xmlns:a16="http://schemas.microsoft.com/office/drawing/2014/main" id="{3FF795B0-092A-BBC8-C6CA-AA2D0D85470B}"/>
+                </a:ext>
+              </a:extLst>
+            </p:cNvPr>
+            <p:cNvCxnSpPr>
+              <a:cxnSpLocks/>
+            </p:cNvCxnSpPr>
+            <p:nvPr/>
+          </p:nvCxnSpPr>
+          <p:spPr>
+            <a:xfrm flipH="1">
+              <a:off x="4404090" y="3260712"/>
+              <a:ext cx="167080" cy="293569"/>
+            </a:xfrm>
+            <a:prstGeom prst="straightConnector1">
+              <a:avLst/>
+            </a:prstGeom>
+            <a:ln w="38100">
+              <a:solidFill>
+                <a:srgbClr val="00B0F0"/>
+              </a:solidFill>
+              <a:tailEnd type="triangle"/>
+            </a:ln>
+          </p:spPr>
+          <p:style>
+            <a:lnRef idx="1">
+              <a:schemeClr val="accent1"/>
+            </a:lnRef>
+            <a:fillRef idx="0">
+              <a:schemeClr val="accent1"/>
+            </a:fillRef>
+            <a:effectRef idx="0">
+              <a:schemeClr val="accent1"/>
+            </a:effectRef>
+            <a:fontRef idx="minor">
+              <a:schemeClr val="tx1"/>
+            </a:fontRef>
+          </p:style>
+        </p:cxnSp>
+        <p:cxnSp>
+          <p:nvCxnSpPr>
+            <p:cNvPr id="16" name="Straight Arrow Connector 15">
+              <a:extLst>
+                <a:ext uri="{FF2B5EF4-FFF2-40B4-BE49-F238E27FC236}">
+                  <a16:creationId xmlns:a16="http://schemas.microsoft.com/office/drawing/2014/main" id="{AB1A33D7-8808-B3AC-AE6B-1F416BBAE968}"/>
+                </a:ext>
+              </a:extLst>
+            </p:cNvPr>
+            <p:cNvCxnSpPr>
+              <a:cxnSpLocks/>
+            </p:cNvCxnSpPr>
+            <p:nvPr/>
+          </p:nvCxnSpPr>
+          <p:spPr>
+            <a:xfrm>
+              <a:off x="4451910" y="3539412"/>
+              <a:ext cx="231800" cy="262799"/>
+            </a:xfrm>
+            <a:prstGeom prst="straightConnector1">
+              <a:avLst/>
+            </a:prstGeom>
+            <a:ln w="38100">
+              <a:solidFill>
+                <a:srgbClr val="00B0F0"/>
+              </a:solidFill>
+              <a:tailEnd type="triangle"/>
+            </a:ln>
+          </p:spPr>
+          <p:style>
+            <a:lnRef idx="1">
+              <a:schemeClr val="accent1"/>
+            </a:lnRef>
+            <a:fillRef idx="0">
+              <a:schemeClr val="accent1"/>
+            </a:fillRef>
+            <a:effectRef idx="0">
+              <a:schemeClr val="accent1"/>
+            </a:effectRef>
+            <a:fontRef idx="minor">
+              <a:schemeClr val="tx1"/>
+            </a:fontRef>
+          </p:style>
+        </p:cxnSp>
+        <p:cxnSp>
+          <p:nvCxnSpPr>
+            <p:cNvPr id="17" name="Straight Arrow Connector 16">
+              <a:extLst>
+                <a:ext uri="{FF2B5EF4-FFF2-40B4-BE49-F238E27FC236}">
+                  <a16:creationId xmlns:a16="http://schemas.microsoft.com/office/drawing/2014/main" id="{508438AB-5D5A-3D78-4C4D-31732F226AFA}"/>
+                </a:ext>
+              </a:extLst>
+            </p:cNvPr>
+            <p:cNvCxnSpPr>
+              <a:cxnSpLocks/>
+            </p:cNvCxnSpPr>
+            <p:nvPr/>
+          </p:nvCxnSpPr>
+          <p:spPr>
+            <a:xfrm flipH="1">
+              <a:off x="4623500" y="3834902"/>
+              <a:ext cx="25192" cy="499014"/>
+            </a:xfrm>
+            <a:prstGeom prst="straightConnector1">
+              <a:avLst/>
+            </a:prstGeom>
+            <a:ln w="38100">
+              <a:solidFill>
+                <a:srgbClr val="00B0F0"/>
+              </a:solidFill>
+              <a:tailEnd type="triangle"/>
+            </a:ln>
+          </p:spPr>
+          <p:style>
+            <a:lnRef idx="1">
+              <a:schemeClr val="accent1"/>
+            </a:lnRef>
+            <a:fillRef idx="0">
+              <a:schemeClr val="accent1"/>
+            </a:fillRef>
+            <a:effectRef idx="0">
+              <a:schemeClr val="accent1"/>
+            </a:effectRef>
+            <a:fontRef idx="minor">
+              <a:schemeClr val="tx1"/>
+            </a:fontRef>
+          </p:style>
+        </p:cxnSp>
+        <p:cxnSp>
+          <p:nvCxnSpPr>
+            <p:cNvPr id="18" name="Straight Arrow Connector 17">
+              <a:extLst>
+                <a:ext uri="{FF2B5EF4-FFF2-40B4-BE49-F238E27FC236}">
+                  <a16:creationId xmlns:a16="http://schemas.microsoft.com/office/drawing/2014/main" id="{C7E0CFDF-597A-610A-D9EB-5ECEF369A268}"/>
+                </a:ext>
+              </a:extLst>
+            </p:cNvPr>
+            <p:cNvCxnSpPr>
+              <a:cxnSpLocks/>
+            </p:cNvCxnSpPr>
+            <p:nvPr/>
+          </p:nvCxnSpPr>
+          <p:spPr>
+            <a:xfrm flipH="1">
+              <a:off x="4345600" y="4349609"/>
+              <a:ext cx="261581" cy="246980"/>
+            </a:xfrm>
+            <a:prstGeom prst="straightConnector1">
+              <a:avLst/>
+            </a:prstGeom>
+            <a:ln w="38100">
+              <a:solidFill>
+                <a:srgbClr val="00B0F0"/>
+              </a:solidFill>
+              <a:tailEnd type="triangle"/>
+            </a:ln>
+          </p:spPr>
+          <p:style>
+            <a:lnRef idx="1">
+              <a:schemeClr val="accent1"/>
+            </a:lnRef>
+            <a:fillRef idx="0">
+              <a:schemeClr val="accent1"/>
+            </a:fillRef>
+            <a:effectRef idx="0">
+              <a:schemeClr val="accent1"/>
+            </a:effectRef>
+            <a:fontRef idx="minor">
+              <a:schemeClr val="tx1"/>
+            </a:fontRef>
+          </p:style>
+        </p:cxnSp>
+        <p:cxnSp>
+          <p:nvCxnSpPr>
+            <p:cNvPr id="19" name="Straight Arrow Connector 18">
+              <a:extLst>
+                <a:ext uri="{FF2B5EF4-FFF2-40B4-BE49-F238E27FC236}">
+                  <a16:creationId xmlns:a16="http://schemas.microsoft.com/office/drawing/2014/main" id="{786AE491-96D4-ECCB-8CDF-9D27347C033D}"/>
+                </a:ext>
+              </a:extLst>
+            </p:cNvPr>
+            <p:cNvCxnSpPr>
+              <a:cxnSpLocks/>
+            </p:cNvCxnSpPr>
+            <p:nvPr/>
+          </p:nvCxnSpPr>
+          <p:spPr>
+            <a:xfrm flipH="1">
+              <a:off x="3577563" y="4687805"/>
+              <a:ext cx="339700" cy="382651"/>
+            </a:xfrm>
+            <a:prstGeom prst="straightConnector1">
+              <a:avLst/>
+            </a:prstGeom>
+            <a:ln w="38100">
+              <a:solidFill>
+                <a:srgbClr val="00B0F0"/>
+              </a:solidFill>
+              <a:tailEnd type="triangle"/>
+            </a:ln>
+          </p:spPr>
+          <p:style>
+            <a:lnRef idx="1">
+              <a:schemeClr val="accent1"/>
+            </a:lnRef>
+            <a:fillRef idx="0">
+              <a:schemeClr val="accent1"/>
+            </a:fillRef>
+            <a:effectRef idx="0">
+              <a:schemeClr val="accent1"/>
+            </a:effectRef>
+            <a:fontRef idx="minor">
+              <a:schemeClr val="tx1"/>
+            </a:fontRef>
+          </p:style>
+        </p:cxnSp>
+        <p:cxnSp>
+          <p:nvCxnSpPr>
+            <p:cNvPr id="20" name="Straight Arrow Connector 19">
+              <a:extLst>
+                <a:ext uri="{FF2B5EF4-FFF2-40B4-BE49-F238E27FC236}">
+                  <a16:creationId xmlns:a16="http://schemas.microsoft.com/office/drawing/2014/main" id="{0D0E822F-33E7-740F-CA11-0485A4BF9960}"/>
+                </a:ext>
+              </a:extLst>
+            </p:cNvPr>
+            <p:cNvCxnSpPr>
+              <a:cxnSpLocks/>
+            </p:cNvCxnSpPr>
+            <p:nvPr/>
+          </p:nvCxnSpPr>
+          <p:spPr>
+            <a:xfrm flipH="1">
+              <a:off x="3924579" y="4596589"/>
+              <a:ext cx="421021" cy="84498"/>
+            </a:xfrm>
+            <a:prstGeom prst="straightConnector1">
+              <a:avLst/>
+            </a:prstGeom>
+            <a:ln w="38100">
+              <a:solidFill>
+                <a:srgbClr val="00B0F0"/>
+              </a:solidFill>
+              <a:tailEnd type="triangle"/>
+            </a:ln>
+          </p:spPr>
+          <p:style>
+            <a:lnRef idx="1">
+              <a:schemeClr val="accent1"/>
+            </a:lnRef>
+            <a:fillRef idx="0">
+              <a:schemeClr val="accent1"/>
+            </a:fillRef>
+            <a:effectRef idx="0">
+              <a:schemeClr val="accent1"/>
+            </a:effectRef>
+            <a:fontRef idx="minor">
+              <a:schemeClr val="tx1"/>
+            </a:fontRef>
+          </p:style>
+        </p:cxnSp>
+      </p:grpSp>
+      <p:pic>
+        <p:nvPicPr>
+          <p:cNvPr id="22" name="Picture 21">
+            <a:extLst>
+              <a:ext uri="{FF2B5EF4-FFF2-40B4-BE49-F238E27FC236}">
+                <a16:creationId xmlns:a16="http://schemas.microsoft.com/office/drawing/2014/main" id="{CFCBEB7B-3B50-88DE-7D16-9059EF7B13B4}"/>
+              </a:ext>
+            </a:extLst>
+          </p:cNvPr>
+          <p:cNvPicPr>
+            <a:picLocks noChangeAspect="1"/>
+          </p:cNvPicPr>
+          <p:nvPr/>
+        </p:nvPicPr>
+        <p:blipFill>
+          <a:blip r:embed="rId4"/>
+          <a:stretch>
+            <a:fillRect/>
+          </a:stretch>
+        </p:blipFill>
+        <p:spPr>
+          <a:xfrm>
+            <a:off x="2171048" y="3016961"/>
+            <a:ext cx="9788135" cy="1989749"/>
+          </a:xfrm>
+          <a:prstGeom prst="rect">
+            <a:avLst/>
+          </a:prstGeom>
+        </p:spPr>
+      </p:pic>
+    </p:spTree>
+    <p:extLst>
+      <p:ext uri="{BB962C8B-B14F-4D97-AF65-F5344CB8AC3E}">
+        <p14:creationId xmlns:p14="http://schemas.microsoft.com/office/powerpoint/2010/main" val="170150355"/>
+      </p:ext>
+    </p:extLst>
+  </p:cSld>
+  <p:clrMapOvr>
+    <a:masterClrMapping/>
+  </p:clrMapOvr>
+</p:sld>
+</file>
+
+<file path=ppt/slides/slide6.xml><?xml version="1.0" encoding="utf-8"?>
+<p:sld xmlns:a="http://schemas.openxmlformats.org/drawingml/2006/main" xmlns:r="http://schemas.openxmlformats.org/officeDocument/2006/relationships" xmlns:p="http://schemas.openxmlformats.org/presentationml/2006/main">
+  <p:cSld>
+    <p:spTree>
+      <p:nvGrpSpPr>
+        <p:cNvPr id="1" name=""/>
+        <p:cNvGrpSpPr/>
+        <p:nvPr/>
+      </p:nvGrpSpPr>
+      <p:grpSpPr>
+        <a:xfrm>
+          <a:off x="0" y="0"/>
+          <a:ext cx="0" cy="0"/>
+          <a:chOff x="0" y="0"/>
+          <a:chExt cx="0" cy="0"/>
+        </a:xfrm>
+      </p:grpSpPr>
+      <p:sp>
+        <p:nvSpPr>
+          <p:cNvPr id="4" name="Rectangle 3"/>
+          <p:cNvSpPr/>
+          <p:nvPr/>
+        </p:nvSpPr>
+        <p:spPr>
+          <a:xfrm>
+            <a:off x="362869" y="921271"/>
+            <a:ext cx="10874475" cy="6001643"/>
+          </a:xfrm>
+          <a:prstGeom prst="rect">
+            <a:avLst/>
+          </a:prstGeom>
+        </p:spPr>
         <p:txBody>
           <a:bodyPr wrap="square" anchor="t">
             <a:spAutoFit/>
@@ -4112,16 +4932,380 @@
           <a:lstStyle/>
           <a:p>
             <a:r>
+              <a:rPr lang="en-US" sz="3200" b="1" dirty="0" err="1">
+                <a:latin typeface="+mj-lt"/>
+              </a:rPr>
+              <a:t>PyProximal</a:t>
+            </a:r>
+            <a:endParaRPr lang="en-US" sz="3200" b="1" dirty="0">
+              <a:latin typeface="+mj-lt"/>
+            </a:endParaRPr>
+          </a:p>
+          <a:p>
+            <a:r>
+              <a:rPr lang="en-US" sz="2400" b="1" u="sng" dirty="0">
+                <a:latin typeface="+mj-lt"/>
+              </a:rPr>
+              <a:t>https://pyproximal.readthedocs.io/en/stable/</a:t>
+            </a:r>
+          </a:p>
+          <a:p>
+            <a:endParaRPr lang="en-US" b="1" dirty="0"/>
+          </a:p>
+          <a:p>
+            <a:r>
+              <a:rPr lang="en-US" b="0" i="0" dirty="0">
+                <a:solidFill>
+                  <a:srgbClr val="323232"/>
+                </a:solidFill>
+                <a:effectLst/>
+                <a:latin typeface="Open Sans" panose="020B0606030504020204" pitchFamily="34" charset="0"/>
+              </a:rPr>
+              <a:t>This Python library provides all the needed building blocks for solving non-smooth convex optimization problems using the so-called </a:t>
+            </a:r>
+            <a:r>
+              <a:rPr lang="en-US" b="1" i="0" dirty="0">
+                <a:solidFill>
+                  <a:srgbClr val="323232"/>
+                </a:solidFill>
+                <a:effectLst/>
+                <a:latin typeface="Open Sans" panose="020B0606030504020204" pitchFamily="34" charset="0"/>
+              </a:rPr>
+              <a:t>proximal algorithms</a:t>
+            </a:r>
+            <a:r>
+              <a:rPr lang="en-US" b="0" i="0" dirty="0">
+                <a:solidFill>
+                  <a:srgbClr val="323232"/>
+                </a:solidFill>
+                <a:effectLst/>
+                <a:latin typeface="Open Sans" panose="020B0606030504020204" pitchFamily="34" charset="0"/>
+              </a:rPr>
+              <a:t>.</a:t>
+            </a:r>
+            <a:endParaRPr lang="en-US" b="1" i="0" dirty="0">
+              <a:solidFill>
+                <a:srgbClr val="323232"/>
+              </a:solidFill>
+              <a:effectLst/>
+              <a:latin typeface="Open Sans" panose="020B0606030504020204" pitchFamily="34" charset="0"/>
+            </a:endParaRPr>
+          </a:p>
+          <a:p>
+            <a:endParaRPr lang="en-US" b="1" dirty="0">
+              <a:solidFill>
+                <a:srgbClr val="323232"/>
+              </a:solidFill>
+              <a:latin typeface="Open Sans" panose="020B0606030504020204" pitchFamily="34" charset="0"/>
+            </a:endParaRPr>
+          </a:p>
+          <a:p>
+            <a:r>
+              <a:rPr lang="en-US" sz="2800" b="1" dirty="0" err="1">
+                <a:solidFill>
+                  <a:srgbClr val="323232"/>
+                </a:solidFill>
+                <a:latin typeface="+mj-lt"/>
+              </a:rPr>
+              <a:t>Tensorflow</a:t>
+            </a:r>
+            <a:endParaRPr lang="en-US" sz="2800" b="1" dirty="0">
+              <a:solidFill>
+                <a:srgbClr val="323232"/>
+              </a:solidFill>
+              <a:latin typeface="+mj-lt"/>
+            </a:endParaRPr>
+          </a:p>
+          <a:p>
+            <a:r>
+              <a:rPr lang="en-US" sz="2800" b="1" dirty="0">
+                <a:solidFill>
+                  <a:srgbClr val="323232"/>
+                </a:solidFill>
+                <a:latin typeface="+mj-lt"/>
+              </a:rPr>
+              <a:t>Proximal </a:t>
+            </a:r>
+            <a:r>
+              <a:rPr lang="en-US" sz="2800" b="1" dirty="0" err="1">
+                <a:solidFill>
+                  <a:srgbClr val="323232"/>
+                </a:solidFill>
+                <a:latin typeface="+mj-lt"/>
+              </a:rPr>
+              <a:t>AdaGrad</a:t>
+            </a:r>
+            <a:r>
+              <a:rPr lang="en-US" sz="2800" b="1" dirty="0">
+                <a:solidFill>
+                  <a:srgbClr val="323232"/>
+                </a:solidFill>
+                <a:latin typeface="+mj-lt"/>
+              </a:rPr>
+              <a:t> algorithm</a:t>
+            </a:r>
+          </a:p>
+          <a:p>
+            <a:r>
+              <a:rPr lang="en-US" sz="2400" b="1" dirty="0">
+                <a:latin typeface="+mj-lt"/>
+                <a:hlinkClick r:id="rId2">
+                  <a:extLst>
+                    <a:ext uri="{A12FA001-AC4F-418D-AE19-62706E023703}">
+                      <ahyp:hlinkClr xmlns:ahyp="http://schemas.microsoft.com/office/drawing/2018/hyperlinkcolor" val="tx"/>
+                    </a:ext>
+                  </a:extLst>
+                </a:hlinkClick>
+              </a:rPr>
+              <a:t>https://www.tensorflow.org/addons/api_docs/python/tfa/optimizers/ProximalAdagrad</a:t>
+            </a:r>
+            <a:endParaRPr lang="en-US" sz="2400" b="1" dirty="0">
+              <a:latin typeface="+mj-lt"/>
+            </a:endParaRPr>
+          </a:p>
+          <a:p>
+            <a:endParaRPr lang="en-US" b="1" dirty="0">
+              <a:solidFill>
+                <a:srgbClr val="323232"/>
+              </a:solidFill>
+              <a:latin typeface="Open Sans" panose="020B0606030504020204" pitchFamily="34" charset="0"/>
+            </a:endParaRPr>
+          </a:p>
+          <a:p>
+            <a:r>
+              <a:rPr lang="en-US" sz="2800" dirty="0" err="1">
+                <a:latin typeface="+mj-lt"/>
+              </a:rPr>
+              <a:t>MatLab</a:t>
+            </a:r>
+            <a:endParaRPr lang="en-US" sz="2800" dirty="0">
+              <a:latin typeface="+mj-lt"/>
+            </a:endParaRPr>
+          </a:p>
+          <a:p>
+            <a:r>
+              <a:rPr lang="en-US" b="1" dirty="0" err="1">
+                <a:solidFill>
+                  <a:srgbClr val="323232"/>
+                </a:solidFill>
+                <a:latin typeface="Open Sans" panose="020B0606030504020204" pitchFamily="34" charset="0"/>
+              </a:rPr>
+              <a:t>ProximalPolicyOptimization</a:t>
+            </a:r>
+            <a:endParaRPr lang="en-US" b="1" dirty="0">
+              <a:solidFill>
+                <a:srgbClr val="323232"/>
+              </a:solidFill>
+              <a:latin typeface="Open Sans" panose="020B0606030504020204" pitchFamily="34" charset="0"/>
+            </a:endParaRPr>
+          </a:p>
+          <a:p>
+            <a:r>
+              <a:rPr lang="en-US" sz="2400" dirty="0">
+                <a:latin typeface="+mj-lt"/>
+                <a:cs typeface="Arial" panose="020B0604020202020204" pitchFamily="34" charset="0"/>
+                <a:hlinkClick r:id="rId3">
+                  <a:extLst>
+                    <a:ext uri="{A12FA001-AC4F-418D-AE19-62706E023703}">
+                      <ahyp:hlinkClr xmlns:ahyp="http://schemas.microsoft.com/office/drawing/2018/hyperlinkcolor" val="tx"/>
+                    </a:ext>
+                  </a:extLst>
+                </a:hlinkClick>
+              </a:rPr>
+              <a:t>https://www.mathworks.com/help/reinforcement-learning/ug/ppo-agents.html</a:t>
+            </a:r>
+            <a:endParaRPr lang="en-US" sz="2400" dirty="0">
+              <a:latin typeface="+mj-lt"/>
+              <a:cs typeface="Arial" panose="020B0604020202020204" pitchFamily="34" charset="0"/>
+            </a:endParaRPr>
+          </a:p>
+          <a:p>
+            <a:endParaRPr lang="en-US" b="1" dirty="0"/>
+          </a:p>
+          <a:p>
+            <a:r>
+              <a:rPr lang="en-US" b="1" dirty="0" err="1"/>
+              <a:t>ChatGPT</a:t>
+            </a:r>
+            <a:r>
+              <a:rPr lang="en-US" b="1" dirty="0"/>
+              <a:t> – uses proximal Policy Optimization algorithm for training</a:t>
+            </a:r>
+          </a:p>
+          <a:p>
+            <a:endParaRPr lang="en-US" b="1" dirty="0"/>
+          </a:p>
+          <a:p>
+            <a:r>
+              <a:rPr lang="en-US" sz="3600" dirty="0"/>
+              <a:t>  </a:t>
+            </a:r>
+          </a:p>
+        </p:txBody>
+      </p:sp>
+      <p:sp>
+        <p:nvSpPr>
+          <p:cNvPr id="3" name="Rectangle 2">
+            <a:extLst>
+              <a:ext uri="{FF2B5EF4-FFF2-40B4-BE49-F238E27FC236}">
+                <a16:creationId xmlns:a16="http://schemas.microsoft.com/office/drawing/2014/main" id="{D8074DAE-0E67-47F5-9381-31D004DCC48E}"/>
+              </a:ext>
+            </a:extLst>
+          </p:cNvPr>
+          <p:cNvSpPr/>
+          <p:nvPr/>
+        </p:nvSpPr>
+        <p:spPr>
+          <a:xfrm>
+            <a:off x="954656" y="1379750"/>
+            <a:ext cx="9435785" cy="1292662"/>
+          </a:xfrm>
+          <a:prstGeom prst="rect">
+            <a:avLst/>
+          </a:prstGeom>
+        </p:spPr>
+        <p:txBody>
+          <a:bodyPr wrap="square" anchor="t">
+            <a:spAutoFit/>
+          </a:bodyPr>
+          <a:lstStyle/>
+          <a:p>
+            <a:endParaRPr lang="en-US" dirty="0"/>
+          </a:p>
+          <a:p>
+            <a:br>
+              <a:rPr lang="en-US" dirty="0"/>
+            </a:br>
+            <a:endParaRPr lang="en-US" dirty="0">
+              <a:solidFill>
+                <a:srgbClr val="000000"/>
+              </a:solidFill>
+              <a:cs typeface="Calibri" panose="020F0502020204030204"/>
+            </a:endParaRPr>
+          </a:p>
+          <a:p>
+            <a:endParaRPr lang="en-US" altLang="en-US" sz="2400" b="1" dirty="0">
+              <a:solidFill>
+                <a:srgbClr val="000000"/>
+              </a:solidFill>
+              <a:cs typeface="Calibri" panose="020F0502020204030204"/>
+            </a:endParaRPr>
+          </a:p>
+        </p:txBody>
+      </p:sp>
+      <p:sp>
+        <p:nvSpPr>
+          <p:cNvPr id="5" name="Rectangle 4">
+            <a:extLst>
+              <a:ext uri="{FF2B5EF4-FFF2-40B4-BE49-F238E27FC236}">
+                <a16:creationId xmlns:a16="http://schemas.microsoft.com/office/drawing/2014/main" id="{BF9C0574-8326-433C-9FAA-6B3749E92890}"/>
+              </a:ext>
+            </a:extLst>
+          </p:cNvPr>
+          <p:cNvSpPr/>
+          <p:nvPr/>
+        </p:nvSpPr>
+        <p:spPr>
+          <a:xfrm>
+            <a:off x="794327" y="191813"/>
+            <a:ext cx="11374141" cy="646331"/>
+          </a:xfrm>
+          <a:prstGeom prst="rect">
+            <a:avLst/>
+          </a:prstGeom>
+        </p:spPr>
+        <p:txBody>
+          <a:bodyPr wrap="square" anchor="t">
+            <a:spAutoFit/>
+          </a:bodyPr>
+          <a:lstStyle/>
+          <a:p>
+            <a:r>
+              <a:rPr lang="en-US" sz="3600" b="1" dirty="0"/>
+              <a:t>                                      Software</a:t>
+            </a:r>
+          </a:p>
+        </p:txBody>
+      </p:sp>
+    </p:spTree>
+    <p:extLst>
+      <p:ext uri="{BB962C8B-B14F-4D97-AF65-F5344CB8AC3E}">
+        <p14:creationId xmlns:p14="http://schemas.microsoft.com/office/powerpoint/2010/main" val="2698654920"/>
+      </p:ext>
+    </p:extLst>
+  </p:cSld>
+  <p:clrMapOvr>
+    <a:masterClrMapping/>
+  </p:clrMapOvr>
+</p:sld>
+</file>
+
+<file path=ppt/slides/slide7.xml><?xml version="1.0" encoding="utf-8"?>
+<p:sld xmlns:a="http://schemas.openxmlformats.org/drawingml/2006/main" xmlns:r="http://schemas.openxmlformats.org/officeDocument/2006/relationships" xmlns:p="http://schemas.openxmlformats.org/presentationml/2006/main">
+  <p:cSld>
+    <p:spTree>
+      <p:nvGrpSpPr>
+        <p:cNvPr id="1" name=""/>
+        <p:cNvGrpSpPr/>
+        <p:nvPr/>
+      </p:nvGrpSpPr>
+      <p:grpSpPr>
+        <a:xfrm>
+          <a:off x="0" y="0"/>
+          <a:ext cx="0" cy="0"/>
+          <a:chOff x="0" y="0"/>
+          <a:chExt cx="0" cy="0"/>
+        </a:xfrm>
+      </p:grpSpPr>
+      <p:sp>
+        <p:nvSpPr>
+          <p:cNvPr id="4" name="Rectangle 3"/>
+          <p:cNvSpPr/>
+          <p:nvPr/>
+        </p:nvSpPr>
+        <p:spPr>
+          <a:xfrm>
+            <a:off x="362869" y="921271"/>
+            <a:ext cx="10874475" cy="3385542"/>
+          </a:xfrm>
+          <a:prstGeom prst="rect">
+            <a:avLst/>
+          </a:prstGeom>
+        </p:spPr>
+        <p:txBody>
+          <a:bodyPr wrap="square" anchor="t">
+            <a:spAutoFit/>
+          </a:bodyPr>
+          <a:lstStyle/>
+          <a:p>
+            <a:r>
               <a:rPr lang="en-US" sz="3200" b="1" dirty="0"/>
               <a:t>Stephen Boyd, Proximal Algorithms</a:t>
             </a:r>
           </a:p>
           <a:p>
             <a:r>
-              <a:rPr lang="en-US" sz="3200" b="1"/>
+              <a:rPr lang="en-US" sz="3200" b="1" dirty="0">
+                <a:hlinkClick r:id="rId2"/>
+              </a:rPr>
               <a:t>https://web.stanford.edu/~boyd/papers/pdf/prox_algs.pdf</a:t>
             </a:r>
             <a:endParaRPr lang="en-US" sz="3200" b="1" dirty="0"/>
+          </a:p>
+          <a:p>
+            <a:endParaRPr lang="en-US" sz="3200" b="1" dirty="0"/>
+          </a:p>
+          <a:p>
+            <a:r>
+              <a:rPr lang="en-US" sz="3200" b="1" dirty="0"/>
+              <a:t>Connection between EM algorithm and Proximal Algorithms</a:t>
+            </a:r>
+          </a:p>
+          <a:p>
+            <a:r>
+              <a:rPr lang="en-US" sz="3200" b="1" dirty="0"/>
+              <a:t>https://arxiv.org/abs/1201.5907</a:t>
+            </a:r>
           </a:p>
           <a:p>
             <a:endParaRPr lang="en-US" b="1" dirty="0"/>
